--- a/Hackathon_Escape Room.pptx
+++ b/Hackathon_Escape Room.pptx
@@ -107,7 +107,49 @@
       </a:defRPr>
     </a:lvl9pPr>
   </p:defaultTextStyle>
+  <p:extLst>
+    <p:ext uri="{EFAFB233-063F-42B5-8137-9DF3F51BA10A}">
+      <p15:sldGuideLst xmlns:p15="http://schemas.microsoft.com/office/powerpoint/2012/main"/>
+    </p:ext>
+  </p:extLst>
 </p:presentation>
+</file>
+
+<file path=ppt/revisionInfo.xml><?xml version="1.0" encoding="utf-8"?>
+<p1510:revInfo xmlns:a="http://schemas.openxmlformats.org/drawingml/2006/main" xmlns:r="http://schemas.openxmlformats.org/officeDocument/2006/relationships" xmlns:p1510="http://schemas.microsoft.com/office/powerpoint/2015/10/main">
+  <p1510:revLst>
+    <p1510:client id="{61042788-8B4E-46A1-97F6-D4B7025A57A3}" v="2" dt="2024-07-05T12:13:05.311"/>
+  </p1510:revLst>
+</p1510:revInfo>
+</file>
+
+<file path=ppt/changesInfos/changesInfo1.xml><?xml version="1.0" encoding="utf-8"?>
+<pc:chgInfo xmlns:a="http://schemas.openxmlformats.org/drawingml/2006/main" xmlns:r="http://schemas.openxmlformats.org/officeDocument/2006/relationships" xmlns:ac="http://schemas.microsoft.com/office/drawing/2013/main/command" xmlns:pc="http://schemas.microsoft.com/office/powerpoint/2013/main/command">
+  <pc:docChgLst>
+    <pc:chgData name="Maria Gadkova" userId="1ac36742d6e6ec10" providerId="LiveId" clId="{61042788-8B4E-46A1-97F6-D4B7025A57A3}"/>
+    <pc:docChg chg="undo custSel modSld">
+      <pc:chgData name="Maria Gadkova" userId="1ac36742d6e6ec10" providerId="LiveId" clId="{61042788-8B4E-46A1-97F6-D4B7025A57A3}" dt="2024-07-05T12:13:04.856" v="12" actId="14100"/>
+      <pc:docMkLst>
+        <pc:docMk/>
+      </pc:docMkLst>
+      <pc:sldChg chg="addSp delSp modSp mod">
+        <pc:chgData name="Maria Gadkova" userId="1ac36742d6e6ec10" providerId="LiveId" clId="{61042788-8B4E-46A1-97F6-D4B7025A57A3}" dt="2024-07-05T12:13:04.856" v="12" actId="14100"/>
+        <pc:sldMkLst>
+          <pc:docMk/>
+          <pc:sldMk cId="4014168315" sldId="262"/>
+        </pc:sldMkLst>
+        <pc:picChg chg="add del mod">
+          <ac:chgData name="Maria Gadkova" userId="1ac36742d6e6ec10" providerId="LiveId" clId="{61042788-8B4E-46A1-97F6-D4B7025A57A3}" dt="2024-07-05T12:13:04.856" v="12" actId="14100"/>
+          <ac:picMkLst>
+            <pc:docMk/>
+            <pc:sldMk cId="4014168315" sldId="262"/>
+            <ac:picMk id="3" creationId="{B2B704E0-C7A1-DE1F-AA23-DA1ED54692E0}"/>
+          </ac:picMkLst>
+        </pc:picChg>
+      </pc:sldChg>
+    </pc:docChg>
+  </pc:docChgLst>
+</pc:chgInfo>
 </file>
 
 <file path=ppt/slideLayouts/slideLayout1.xml><?xml version="1.0" encoding="utf-8"?>
@@ -257,7 +299,7 @@
           <a:p>
             <a:fld id="{840F3040-50D7-CE49-97C7-4FD5D4155A64}" type="datetimeFigureOut">
               <a:rPr lang="en-US" smtClean="0"/>
-              <a:t>7/4/24</a:t>
+              <a:t>7/5/2024</a:t>
             </a:fld>
             <a:endParaRPr lang="en-US"/>
           </a:p>
@@ -455,7 +497,7 @@
           <a:p>
             <a:fld id="{840F3040-50D7-CE49-97C7-4FD5D4155A64}" type="datetimeFigureOut">
               <a:rPr lang="en-US" smtClean="0"/>
-              <a:t>7/4/24</a:t>
+              <a:t>7/5/2024</a:t>
             </a:fld>
             <a:endParaRPr lang="en-US"/>
           </a:p>
@@ -663,7 +705,7 @@
           <a:p>
             <a:fld id="{840F3040-50D7-CE49-97C7-4FD5D4155A64}" type="datetimeFigureOut">
               <a:rPr lang="en-US" smtClean="0"/>
-              <a:t>7/4/24</a:t>
+              <a:t>7/5/2024</a:t>
             </a:fld>
             <a:endParaRPr lang="en-US"/>
           </a:p>
@@ -861,7 +903,7 @@
           <a:p>
             <a:fld id="{840F3040-50D7-CE49-97C7-4FD5D4155A64}" type="datetimeFigureOut">
               <a:rPr lang="en-US" smtClean="0"/>
-              <a:t>7/4/24</a:t>
+              <a:t>7/5/2024</a:t>
             </a:fld>
             <a:endParaRPr lang="en-US"/>
           </a:p>
@@ -1136,7 +1178,7 @@
           <a:p>
             <a:fld id="{840F3040-50D7-CE49-97C7-4FD5D4155A64}" type="datetimeFigureOut">
               <a:rPr lang="en-US" smtClean="0"/>
-              <a:t>7/4/24</a:t>
+              <a:t>7/5/2024</a:t>
             </a:fld>
             <a:endParaRPr lang="en-US"/>
           </a:p>
@@ -1401,7 +1443,7 @@
           <a:p>
             <a:fld id="{840F3040-50D7-CE49-97C7-4FD5D4155A64}" type="datetimeFigureOut">
               <a:rPr lang="en-US" smtClean="0"/>
-              <a:t>7/4/24</a:t>
+              <a:t>7/5/2024</a:t>
             </a:fld>
             <a:endParaRPr lang="en-US"/>
           </a:p>
@@ -1813,7 +1855,7 @@
           <a:p>
             <a:fld id="{840F3040-50D7-CE49-97C7-4FD5D4155A64}" type="datetimeFigureOut">
               <a:rPr lang="en-US" smtClean="0"/>
-              <a:t>7/4/24</a:t>
+              <a:t>7/5/2024</a:t>
             </a:fld>
             <a:endParaRPr lang="en-US"/>
           </a:p>
@@ -1954,7 +1996,7 @@
           <a:p>
             <a:fld id="{840F3040-50D7-CE49-97C7-4FD5D4155A64}" type="datetimeFigureOut">
               <a:rPr lang="en-US" smtClean="0"/>
-              <a:t>7/4/24</a:t>
+              <a:t>7/5/2024</a:t>
             </a:fld>
             <a:endParaRPr lang="en-US"/>
           </a:p>
@@ -2067,7 +2109,7 @@
           <a:p>
             <a:fld id="{840F3040-50D7-CE49-97C7-4FD5D4155A64}" type="datetimeFigureOut">
               <a:rPr lang="en-US" smtClean="0"/>
-              <a:t>7/4/24</a:t>
+              <a:t>7/5/2024</a:t>
             </a:fld>
             <a:endParaRPr lang="en-US"/>
           </a:p>
@@ -2378,7 +2420,7 @@
           <a:p>
             <a:fld id="{840F3040-50D7-CE49-97C7-4FD5D4155A64}" type="datetimeFigureOut">
               <a:rPr lang="en-US" smtClean="0"/>
-              <a:t>7/4/24</a:t>
+              <a:t>7/5/2024</a:t>
             </a:fld>
             <a:endParaRPr lang="en-US"/>
           </a:p>
@@ -2666,7 +2708,7 @@
           <a:p>
             <a:fld id="{840F3040-50D7-CE49-97C7-4FD5D4155A64}" type="datetimeFigureOut">
               <a:rPr lang="en-US" smtClean="0"/>
-              <a:t>7/4/24</a:t>
+              <a:t>7/5/2024</a:t>
             </a:fld>
             <a:endParaRPr lang="en-US"/>
           </a:p>
@@ -2907,7 +2949,7 @@
           <a:p>
             <a:fld id="{840F3040-50D7-CE49-97C7-4FD5D4155A64}" type="datetimeFigureOut">
               <a:rPr lang="en-US" smtClean="0"/>
-              <a:t>7/4/24</a:t>
+              <a:t>7/5/2024</a:t>
             </a:fld>
             <a:endParaRPr lang="en-US"/>
           </a:p>

--- a/Hackathon_Escape Room.pptx
+++ b/Hackathon_Escape Room.pptx
@@ -118,7 +118,7 @@
 <file path=ppt/revisionInfo.xml><?xml version="1.0" encoding="utf-8"?>
 <p1510:revInfo xmlns:a="http://schemas.openxmlformats.org/drawingml/2006/main" xmlns:r="http://schemas.openxmlformats.org/officeDocument/2006/relationships" xmlns:p1510="http://schemas.microsoft.com/office/powerpoint/2015/10/main">
   <p1510:revLst>
-    <p1510:client id="{61042788-8B4E-46A1-97F6-D4B7025A57A3}" v="2" dt="2024-07-05T12:13:05.311"/>
+    <p1510:client id="{61042788-8B4E-46A1-97F6-D4B7025A57A3}" v="3" dt="2024-07-05T12:34:25.890"/>
   </p1510:revLst>
 </p1510:revInfo>
 </file>
@@ -128,16 +128,47 @@
   <pc:docChgLst>
     <pc:chgData name="Maria Gadkova" userId="1ac36742d6e6ec10" providerId="LiveId" clId="{61042788-8B4E-46A1-97F6-D4B7025A57A3}"/>
     <pc:docChg chg="undo custSel modSld">
-      <pc:chgData name="Maria Gadkova" userId="1ac36742d6e6ec10" providerId="LiveId" clId="{61042788-8B4E-46A1-97F6-D4B7025A57A3}" dt="2024-07-05T12:13:04.856" v="12" actId="14100"/>
+      <pc:chgData name="Maria Gadkova" userId="1ac36742d6e6ec10" providerId="LiveId" clId="{61042788-8B4E-46A1-97F6-D4B7025A57A3}" dt="2024-07-05T12:34:32.113" v="580" actId="1076"/>
       <pc:docMkLst>
         <pc:docMk/>
       </pc:docMkLst>
+      <pc:sldChg chg="modSp mod">
+        <pc:chgData name="Maria Gadkova" userId="1ac36742d6e6ec10" providerId="LiveId" clId="{61042788-8B4E-46A1-97F6-D4B7025A57A3}" dt="2024-07-05T12:32:47.611" v="576" actId="1076"/>
+        <pc:sldMkLst>
+          <pc:docMk/>
+          <pc:sldMk cId="3942876866" sldId="261"/>
+        </pc:sldMkLst>
+        <pc:spChg chg="mod">
+          <ac:chgData name="Maria Gadkova" userId="1ac36742d6e6ec10" providerId="LiveId" clId="{61042788-8B4E-46A1-97F6-D4B7025A57A3}" dt="2024-07-05T12:32:47.611" v="576" actId="1076"/>
+          <ac:spMkLst>
+            <pc:docMk/>
+            <pc:sldMk cId="3942876866" sldId="261"/>
+            <ac:spMk id="15" creationId="{92BD1315-4B7C-C544-9697-F52C99172B91}"/>
+          </ac:spMkLst>
+        </pc:spChg>
+        <pc:spChg chg="mod">
+          <ac:chgData name="Maria Gadkova" userId="1ac36742d6e6ec10" providerId="LiveId" clId="{61042788-8B4E-46A1-97F6-D4B7025A57A3}" dt="2024-07-05T12:32:41.443" v="575" actId="20577"/>
+          <ac:spMkLst>
+            <pc:docMk/>
+            <pc:sldMk cId="3942876866" sldId="261"/>
+            <ac:spMk id="16" creationId="{F7D1AC11-DD72-6441-97AE-E1348DE73FF6}"/>
+          </ac:spMkLst>
+        </pc:spChg>
+      </pc:sldChg>
       <pc:sldChg chg="addSp delSp modSp mod">
-        <pc:chgData name="Maria Gadkova" userId="1ac36742d6e6ec10" providerId="LiveId" clId="{61042788-8B4E-46A1-97F6-D4B7025A57A3}" dt="2024-07-05T12:13:04.856" v="12" actId="14100"/>
+        <pc:chgData name="Maria Gadkova" userId="1ac36742d6e6ec10" providerId="LiveId" clId="{61042788-8B4E-46A1-97F6-D4B7025A57A3}" dt="2024-07-05T12:34:32.113" v="580" actId="1076"/>
         <pc:sldMkLst>
           <pc:docMk/>
           <pc:sldMk cId="4014168315" sldId="262"/>
         </pc:sldMkLst>
+        <pc:picChg chg="add mod">
+          <ac:chgData name="Maria Gadkova" userId="1ac36742d6e6ec10" providerId="LiveId" clId="{61042788-8B4E-46A1-97F6-D4B7025A57A3}" dt="2024-07-05T12:34:32.113" v="580" actId="1076"/>
+          <ac:picMkLst>
+            <pc:docMk/>
+            <pc:sldMk cId="4014168315" sldId="262"/>
+            <ac:picMk id="3" creationId="{830382D5-DC34-7786-76F2-2C5B0FA46B77}"/>
+          </ac:picMkLst>
+        </pc:picChg>
         <pc:picChg chg="add del mod">
           <ac:chgData name="Maria Gadkova" userId="1ac36742d6e6ec10" providerId="LiveId" clId="{61042788-8B4E-46A1-97F6-D4B7025A57A3}" dt="2024-07-05T12:13:04.856" v="12" actId="14100"/>
           <ac:picMkLst>
@@ -3916,8 +3947,8 @@
         </p:nvSpPr>
         <p:spPr>
           <a:xfrm>
-            <a:off x="772300" y="2835176"/>
-            <a:ext cx="3595031" cy="1325563"/>
+            <a:off x="699148" y="2244097"/>
+            <a:ext cx="4906124" cy="2907256"/>
           </a:xfrm>
           <a:prstGeom prst="rect">
             <a:avLst/>
@@ -3925,7 +3956,7 @@
         </p:spPr>
         <p:txBody>
           <a:bodyPr vert="horz" lIns="91440" tIns="45720" rIns="91440" bIns="45720" rtlCol="0" anchor="ctr">
-            <a:normAutofit fontScale="92500" lnSpcReduction="20000"/>
+            <a:normAutofit fontScale="92500" lnSpcReduction="10000"/>
           </a:bodyPr>
           <a:lstStyle>
             <a:lvl1pPr algn="l" defTabSz="914400" rtl="0" eaLnBrk="1" latinLnBrk="0" hangingPunct="1">
@@ -3971,13 +4002,57 @@
               <a:buChar char="•"/>
             </a:pPr>
             <a:r>
+              <a:rPr lang="en-US" sz="2300" dirty="0">
+                <a:solidFill>
+                  <a:srgbClr val="002060"/>
+                </a:solidFill>
+              </a:rPr>
+              <a:t>We managed to create a working project with the use of git/</a:t>
+            </a:r>
+            <a:r>
+              <a:rPr lang="en-US" sz="2300" dirty="0" err="1">
+                <a:solidFill>
+                  <a:srgbClr val="002060"/>
+                </a:solidFill>
+              </a:rPr>
+              <a:t>github</a:t>
+            </a:r>
+            <a:r>
+              <a:rPr lang="en-US" sz="2300" dirty="0">
+                <a:solidFill>
+                  <a:srgbClr val="002060"/>
+                </a:solidFill>
+              </a:rPr>
+              <a:t>/scratch.</a:t>
+            </a:r>
+          </a:p>
+          <a:p>
+            <a:endParaRPr lang="en-US" sz="2300" dirty="0">
+              <a:solidFill>
+                <a:srgbClr val="002060"/>
+              </a:solidFill>
+            </a:endParaRPr>
+          </a:p>
+          <a:p>
+            <a:pPr marL="285750" indent="-285750">
+              <a:buFont typeface="Arial" panose="020B0604020202020204" pitchFamily="34" charset="0"/>
+              <a:buChar char="•"/>
+            </a:pPr>
+            <a:r>
               <a:rPr lang="en-US" sz="2200" dirty="0">
                 <a:solidFill>
                   <a:srgbClr val="002060"/>
                 </a:solidFill>
               </a:rPr>
-              <a:t>Xx</a:t>
-            </a:r>
+              <a:t>Our Plan follows the basic flowchart principles that we set up.</a:t>
+            </a:r>
+          </a:p>
+          <a:p>
+            <a:endParaRPr lang="en-US" sz="2200" dirty="0">
+              <a:solidFill>
+                <a:srgbClr val="002060"/>
+              </a:solidFill>
+            </a:endParaRPr>
           </a:p>
           <a:p>
             <a:pPr marL="285750" indent="-285750">
@@ -3990,27 +4065,8 @@
                   <a:srgbClr val="002060"/>
                 </a:solidFill>
               </a:rPr>
-              <a:t>Xxx</a:t>
-            </a:r>
-          </a:p>
-          <a:p>
-            <a:pPr marL="285750" indent="-285750">
-              <a:buFont typeface="Arial" panose="020B0604020202020204" pitchFamily="34" charset="0"/>
-              <a:buChar char="•"/>
-            </a:pPr>
-            <a:r>
-              <a:rPr lang="en-US" sz="2200" dirty="0" err="1">
-                <a:solidFill>
-                  <a:srgbClr val="002060"/>
-                </a:solidFill>
-              </a:rPr>
-              <a:t>xxxx</a:t>
-            </a:r>
-            <a:endParaRPr lang="en-US" sz="2200" dirty="0">
-              <a:solidFill>
-                <a:srgbClr val="002060"/>
-              </a:solidFill>
-            </a:endParaRPr>
+              <a:t>We communicated clearly in terms of git stage, pull, commit, push actions and resolved any issues.</a:t>
+            </a:r>
           </a:p>
         </p:txBody>
       </p:sp>
@@ -4030,8 +4086,8 @@
         </p:nvSpPr>
         <p:spPr>
           <a:xfrm>
-            <a:off x="6583538" y="2942753"/>
-            <a:ext cx="3595031" cy="1325563"/>
+            <a:off x="5922087" y="2266097"/>
+            <a:ext cx="4082569" cy="2903008"/>
           </a:xfrm>
           <a:prstGeom prst="rect">
             <a:avLst/>
@@ -4039,7 +4095,7 @@
         </p:spPr>
         <p:txBody>
           <a:bodyPr vert="horz" lIns="91440" tIns="45720" rIns="91440" bIns="45720" rtlCol="0" anchor="ctr">
-            <a:normAutofit fontScale="85000" lnSpcReduction="20000"/>
+            <a:normAutofit fontScale="85000" lnSpcReduction="10000"/>
           </a:bodyPr>
           <a:lstStyle>
             <a:lvl1pPr algn="l" defTabSz="914400" rtl="0" eaLnBrk="1" latinLnBrk="0" hangingPunct="1">
@@ -4090,8 +4146,19 @@
                   <a:srgbClr val="002060"/>
                 </a:solidFill>
               </a:rPr>
-              <a:t>Xx</a:t>
-            </a:r>
+              <a:t>We struggled with keeping a concrete plan, especially when making the demo: got sidetracked.</a:t>
+            </a:r>
+          </a:p>
+          <a:p>
+            <a:pPr marL="285750" indent="-285750">
+              <a:buFont typeface="Arial" panose="020B0604020202020204" pitchFamily="34" charset="0"/>
+              <a:buChar char="•"/>
+            </a:pPr>
+            <a:endParaRPr lang="en-US" sz="2400" dirty="0">
+              <a:solidFill>
+                <a:srgbClr val="002060"/>
+              </a:solidFill>
+            </a:endParaRPr>
           </a:p>
           <a:p>
             <a:pPr marL="285750" indent="-285750">
@@ -4104,7 +4171,7 @@
                   <a:srgbClr val="002060"/>
                 </a:solidFill>
               </a:rPr>
-              <a:t>Xxx</a:t>
+              <a:t>We should have had more structure to allow the team members to work in the different sections (like the demo).</a:t>
             </a:r>
           </a:p>
           <a:p>
@@ -4112,14 +4179,17 @@
               <a:buFont typeface="Arial" panose="020B0604020202020204" pitchFamily="34" charset="0"/>
               <a:buChar char="•"/>
             </a:pPr>
-            <a:r>
-              <a:rPr lang="en-US" sz="2400" dirty="0" err="1">
-                <a:solidFill>
-                  <a:srgbClr val="002060"/>
-                </a:solidFill>
-              </a:rPr>
-              <a:t>xxxx</a:t>
-            </a:r>
+            <a:endParaRPr lang="en-US" sz="2400" dirty="0">
+              <a:solidFill>
+                <a:srgbClr val="002060"/>
+              </a:solidFill>
+            </a:endParaRPr>
+          </a:p>
+          <a:p>
+            <a:pPr marL="285750" indent="-285750">
+              <a:buFont typeface="Arial" panose="020B0604020202020204" pitchFamily="34" charset="0"/>
+              <a:buChar char="•"/>
+            </a:pPr>
             <a:endParaRPr lang="en-US" sz="2400" dirty="0">
               <a:solidFill>
                 <a:srgbClr val="002060"/>
@@ -4285,6 +4355,36 @@
           </a:p>
         </p:txBody>
       </p:sp>
+      <p:pic>
+        <p:nvPicPr>
+          <p:cNvPr id="3" name="Picture 2">
+            <a:extLst>
+              <a:ext uri="{FF2B5EF4-FFF2-40B4-BE49-F238E27FC236}">
+                <a16:creationId xmlns:a16="http://schemas.microsoft.com/office/drawing/2014/main" id="{830382D5-DC34-7786-76F2-2C5B0FA46B77}"/>
+              </a:ext>
+            </a:extLst>
+          </p:cNvPr>
+          <p:cNvPicPr>
+            <a:picLocks noChangeAspect="1"/>
+          </p:cNvPicPr>
+          <p:nvPr/>
+        </p:nvPicPr>
+        <p:blipFill>
+          <a:blip r:embed="rId3"/>
+          <a:stretch>
+            <a:fillRect/>
+          </a:stretch>
+        </p:blipFill>
+        <p:spPr>
+          <a:xfrm>
+            <a:off x="364380" y="186065"/>
+            <a:ext cx="5896841" cy="6485870"/>
+          </a:xfrm>
+          <a:prstGeom prst="rect">
+            <a:avLst/>
+          </a:prstGeom>
+        </p:spPr>
+      </p:pic>
     </p:spTree>
     <p:extLst>
       <p:ext uri="{BB962C8B-B14F-4D97-AF65-F5344CB8AC3E}">
